--- a/prezentácia.pptx
+++ b/prezentácia.pptx
@@ -9411,6 +9411,18 @@
   <p:clrMapOvr>
     <a:masterClrMapping/>
   </p:clrMapOvr>
+  <mc:AlternateContent xmlns:mc="http://schemas.openxmlformats.org/markup-compatibility/2006">
+    <mc:Choice xmlns:p14="http://schemas.microsoft.com/office/powerpoint/2010/main" Requires="p14">
+      <p:transition spd="med" p14:dur="700">
+        <p:fade/>
+      </p:transition>
+    </mc:Choice>
+    <mc:Fallback>
+      <p:transition spd="med">
+        <p:fade/>
+      </p:transition>
+    </mc:Fallback>
+  </mc:AlternateContent>
 </p:sld>
 </file>
 
